--- a/doc/Presentation05072016.pptx
+++ b/doc/Presentation05072016.pptx
@@ -10,8 +10,8 @@
     <p:sldId id="258" r:id="rId4"/>
     <p:sldId id="260" r:id="rId5"/>
     <p:sldId id="259" r:id="rId6"/>
-    <p:sldId id="261" r:id="rId7"/>
-    <p:sldId id="262" r:id="rId8"/>
+    <p:sldId id="262" r:id="rId7"/>
+    <p:sldId id="263" r:id="rId8"/>
   </p:sldIdLst>
   <p:sldSz cx="12192000" cy="6858000"/>
   <p:notesSz cx="6858000" cy="9144000"/>
@@ -110,6 +110,11 @@
       </a:defRPr>
     </a:lvl9pPr>
   </p:defaultTextStyle>
+  <p:extLst>
+    <p:ext uri="{EFAFB233-063F-42B5-8137-9DF3F51BA10A}">
+      <p15:sldGuideLst xmlns:p15="http://schemas.microsoft.com/office/powerpoint/2012/main"/>
+    </p:ext>
+  </p:extLst>
 </p:presentation>
 </file>
 
@@ -5800,7 +5805,6 @@
               <a:rPr lang="fr-FR" dirty="0"/>
               <a:t>BASSIN DE L’EMPLOI MULHOUSIEN</a:t>
             </a:r>
-            <a:endParaRPr lang="fr-FR" dirty="0"/>
           </a:p>
         </p:txBody>
       </p:sp>
@@ -5850,6 +5854,13 @@
   <p:clrMapOvr>
     <a:masterClrMapping/>
   </p:clrMapOvr>
+  <p:timing>
+    <p:tnLst>
+      <p:par>
+        <p:cTn id="1" dur="indefinite" restart="never" nodeType="tmRoot"/>
+      </p:par>
+    </p:tnLst>
+  </p:timing>
 </p:sld>
 </file>
 
@@ -5950,6 +5961,10 @@
             </a:r>
           </a:p>
           <a:p>
+            <a:r>
+              <a:rPr lang="fr-FR" dirty="0" smtClean="0"/>
+              <a:t>		- Données issues de l’INSEE (www.insee.fr)</a:t>
+            </a:r>
             <a:endParaRPr lang="fr-FR" dirty="0"/>
           </a:p>
           <a:p>
@@ -5980,6 +5995,13 @@
   <p:clrMapOvr>
     <a:masterClrMapping/>
   </p:clrMapOvr>
+  <p:timing>
+    <p:tnLst>
+      <p:par>
+        <p:cTn id="1" dur="indefinite" restart="never" nodeType="tmRoot"/>
+      </p:par>
+    </p:tnLst>
+  </p:timing>
 </p:sld>
 </file>
 
@@ -6061,6 +6083,13 @@
   <p:clrMapOvr>
     <a:masterClrMapping/>
   </p:clrMapOvr>
+  <p:timing>
+    <p:tnLst>
+      <p:par>
+        <p:cTn id="1" dur="indefinite" restart="never" nodeType="tmRoot"/>
+      </p:par>
+    </p:tnLst>
+  </p:timing>
 </p:sld>
 </file>
 
@@ -6122,6 +6151,13 @@
   <p:clrMapOvr>
     <a:masterClrMapping/>
   </p:clrMapOvr>
+  <p:timing>
+    <p:tnLst>
+      <p:par>
+        <p:cTn id="1" dur="indefinite" restart="never" nodeType="tmRoot"/>
+      </p:par>
+    </p:tnLst>
+  </p:timing>
 </p:sld>
 </file>
 
@@ -6173,8 +6209,8 @@
         </p:nvSpPr>
         <p:spPr>
           <a:xfrm>
-            <a:off x="994610" y="1556084"/>
-            <a:ext cx="5710989" cy="1477328"/>
+            <a:off x="770020" y="2326105"/>
+            <a:ext cx="5710989" cy="1754326"/>
           </a:xfrm>
           <a:prstGeom prst="rect">
             <a:avLst/>
@@ -6192,12 +6228,20 @@
               <a:t>Sous </a:t>
             </a:r>
             <a:r>
+              <a:rPr lang="fr-FR" dirty="0" err="1"/>
+              <a:t>W</a:t>
+            </a:r>
+            <a:r>
               <a:rPr lang="fr-FR" dirty="0" err="1" smtClean="0"/>
-              <a:t>window</a:t>
+              <a:t>indow</a:t>
             </a:r>
             <a:r>
               <a:rPr lang="fr-FR" dirty="0" smtClean="0"/>
-              <a:t> : </a:t>
+              <a:t> </a:t>
+            </a:r>
+            <a:r>
+              <a:rPr lang="fr-FR" dirty="0" smtClean="0"/>
+              <a:t>: </a:t>
             </a:r>
           </a:p>
           <a:p>
@@ -6213,6 +6257,13 @@
               <a:rPr lang="fr-FR" dirty="0" err="1" smtClean="0"/>
               <a:t>Wamp</a:t>
             </a:r>
+            <a:endParaRPr lang="fr-FR" dirty="0" smtClean="0"/>
+          </a:p>
+          <a:p>
+            <a:pPr marL="285750" indent="-285750">
+              <a:buFontTx/>
+              <a:buChar char="-"/>
+            </a:pPr>
             <a:endParaRPr lang="fr-FR" dirty="0" smtClean="0"/>
           </a:p>
           <a:p>
@@ -6267,147 +6318,6 @@
 </file>
 
 <file path=ppt/slides/slide6.xml><?xml version="1.0" encoding="utf-8"?>
-<p:sld xmlns:a="http://schemas.openxmlformats.org/drawingml/2006/main" xmlns:r="http://schemas.openxmlformats.org/officeDocument/2006/relationships" xmlns:p="http://schemas.openxmlformats.org/presentationml/2006/main">
-  <p:cSld>
-    <p:spTree>
-      <p:nvGrpSpPr>
-        <p:cNvPr id="1" name=""/>
-        <p:cNvGrpSpPr/>
-        <p:nvPr/>
-      </p:nvGrpSpPr>
-      <p:grpSpPr>
-        <a:xfrm>
-          <a:off x="0" y="0"/>
-          <a:ext cx="0" cy="0"/>
-          <a:chOff x="0" y="0"/>
-          <a:chExt cx="0" cy="0"/>
-        </a:xfrm>
-      </p:grpSpPr>
-      <p:sp>
-        <p:nvSpPr>
-          <p:cNvPr id="2" name="Titre 1"/>
-          <p:cNvSpPr>
-            <a:spLocks noGrp="1"/>
-          </p:cNvSpPr>
-          <p:nvPr>
-            <p:ph type="title"/>
-          </p:nvPr>
-        </p:nvSpPr>
-        <p:spPr/>
-        <p:txBody>
-          <a:bodyPr/>
-          <a:lstStyle/>
-          <a:p>
-            <a:r>
-              <a:rPr lang="fr-FR" dirty="0" smtClean="0"/>
-              <a:t>Fichier de configuration</a:t>
-            </a:r>
-            <a:endParaRPr lang="fr-FR" dirty="0"/>
-          </a:p>
-        </p:txBody>
-      </p:sp>
-      <p:sp>
-        <p:nvSpPr>
-          <p:cNvPr id="3" name="ZoneTexte 2"/>
-          <p:cNvSpPr txBox="1"/>
-          <p:nvPr/>
-        </p:nvSpPr>
-        <p:spPr>
-          <a:xfrm>
-            <a:off x="994610" y="1556084"/>
-            <a:ext cx="5710989" cy="1477328"/>
-          </a:xfrm>
-          <a:prstGeom prst="rect">
-            <a:avLst/>
-          </a:prstGeom>
-          <a:noFill/>
-        </p:spPr>
-        <p:txBody>
-          <a:bodyPr wrap="square" rtlCol="0">
-            <a:spAutoFit/>
-          </a:bodyPr>
-          <a:lstStyle/>
-          <a:p>
-            <a:r>
-              <a:rPr lang="fr-FR" dirty="0" smtClean="0"/>
-              <a:t>Sous </a:t>
-            </a:r>
-            <a:r>
-              <a:rPr lang="fr-FR" dirty="0" err="1" smtClean="0"/>
-              <a:t>window</a:t>
-            </a:r>
-            <a:r>
-              <a:rPr lang="fr-FR" dirty="0" smtClean="0"/>
-              <a:t> : </a:t>
-            </a:r>
-          </a:p>
-          <a:p>
-            <a:pPr marL="285750" indent="-285750">
-              <a:buFontTx/>
-              <a:buChar char="-"/>
-            </a:pPr>
-            <a:r>
-              <a:rPr lang="fr-FR" dirty="0" smtClean="0"/>
-              <a:t>Installation de </a:t>
-            </a:r>
-            <a:r>
-              <a:rPr lang="fr-FR" dirty="0" err="1" smtClean="0"/>
-              <a:t>Wamp</a:t>
-            </a:r>
-            <a:endParaRPr lang="fr-FR" dirty="0" smtClean="0"/>
-          </a:p>
-          <a:p>
-            <a:pPr marL="285750" indent="-285750">
-              <a:buFontTx/>
-              <a:buChar char="-"/>
-            </a:pPr>
-            <a:endParaRPr lang="fr-FR" dirty="0"/>
-          </a:p>
-          <a:p>
-            <a:r>
-              <a:rPr lang="fr-FR" dirty="0" smtClean="0"/>
-              <a:t>Sous Linux : </a:t>
-            </a:r>
-          </a:p>
-          <a:p>
-            <a:r>
-              <a:rPr lang="fr-FR" dirty="0" smtClean="0"/>
-              <a:t>- Installation d’apache2, php5, </a:t>
-            </a:r>
-            <a:r>
-              <a:rPr lang="fr-FR" dirty="0" err="1" smtClean="0"/>
-              <a:t>mysql</a:t>
-            </a:r>
-            <a:r>
-              <a:rPr lang="fr-FR" dirty="0" smtClean="0"/>
-              <a:t>, </a:t>
-            </a:r>
-            <a:r>
-              <a:rPr lang="fr-FR" dirty="0" err="1" smtClean="0"/>
-              <a:t>phpmyadmin</a:t>
-            </a:r>
-            <a:r>
-              <a:rPr lang="fr-FR" dirty="0" smtClean="0"/>
-              <a:t> </a:t>
-            </a:r>
-            <a:endParaRPr lang="fr-FR" dirty="0"/>
-          </a:p>
-        </p:txBody>
-      </p:sp>
-    </p:spTree>
-    <p:extLst>
-      <p:ext uri="{BB962C8B-B14F-4D97-AF65-F5344CB8AC3E}">
-        <p14:creationId xmlns:p14="http://schemas.microsoft.com/office/powerpoint/2010/main" val="363318464"/>
-      </p:ext>
-    </p:extLst>
-  </p:cSld>
-  <p:clrMapOvr>
-    <a:masterClrMapping/>
-  </p:clrMapOvr>
-</p:sld>
-</file>
-
-<file path=ppt/slides/slide7.xml><?xml version="1.0" encoding="utf-8"?>
 <p:sld xmlns:a="http://schemas.openxmlformats.org/drawingml/2006/main" xmlns:r="http://schemas.openxmlformats.org/officeDocument/2006/relationships" xmlns:p="http://schemas.openxmlformats.org/presentationml/2006/main">
   <p:cSld>
     <p:spTree>
@@ -6499,6 +6409,275 @@
     <p:extLst>
       <p:ext uri="{BB962C8B-B14F-4D97-AF65-F5344CB8AC3E}">
         <p14:creationId xmlns:p14="http://schemas.microsoft.com/office/powerpoint/2010/main" val="958109087"/>
+      </p:ext>
+    </p:extLst>
+  </p:cSld>
+  <p:clrMapOvr>
+    <a:masterClrMapping/>
+  </p:clrMapOvr>
+</p:sld>
+</file>
+
+<file path=ppt/slides/slide7.xml><?xml version="1.0" encoding="utf-8"?>
+<p:sld xmlns:a="http://schemas.openxmlformats.org/drawingml/2006/main" xmlns:r="http://schemas.openxmlformats.org/officeDocument/2006/relationships" xmlns:p="http://schemas.openxmlformats.org/presentationml/2006/main">
+  <p:cSld>
+    <p:spTree>
+      <p:nvGrpSpPr>
+        <p:cNvPr id="1" name=""/>
+        <p:cNvGrpSpPr/>
+        <p:nvPr/>
+      </p:nvGrpSpPr>
+      <p:grpSpPr>
+        <a:xfrm>
+          <a:off x="0" y="0"/>
+          <a:ext cx="0" cy="0"/>
+          <a:chOff x="0" y="0"/>
+          <a:chExt cx="0" cy="0"/>
+        </a:xfrm>
+      </p:grpSpPr>
+      <p:sp>
+        <p:nvSpPr>
+          <p:cNvPr id="2" name="Titre 1"/>
+          <p:cNvSpPr>
+            <a:spLocks noGrp="1"/>
+          </p:cNvSpPr>
+          <p:nvPr>
+            <p:ph type="title"/>
+          </p:nvPr>
+        </p:nvSpPr>
+        <p:spPr>
+          <a:xfrm>
+            <a:off x="829734" y="3144252"/>
+            <a:ext cx="8596668" cy="1320800"/>
+          </a:xfrm>
+        </p:spPr>
+        <p:txBody>
+          <a:bodyPr/>
+          <a:lstStyle/>
+          <a:p>
+            <a:r>
+              <a:rPr lang="fr-FR" dirty="0" smtClean="0"/>
+              <a:t>Améliorations possibles</a:t>
+            </a:r>
+            <a:endParaRPr lang="fr-FR" dirty="0"/>
+          </a:p>
+        </p:txBody>
+      </p:sp>
+      <p:sp>
+        <p:nvSpPr>
+          <p:cNvPr id="3" name="ZoneTexte 2"/>
+          <p:cNvSpPr txBox="1"/>
+          <p:nvPr/>
+        </p:nvSpPr>
+        <p:spPr>
+          <a:xfrm>
+            <a:off x="858253" y="1499936"/>
+            <a:ext cx="8614610" cy="1477328"/>
+          </a:xfrm>
+          <a:prstGeom prst="rect">
+            <a:avLst/>
+          </a:prstGeom>
+          <a:noFill/>
+        </p:spPr>
+        <p:txBody>
+          <a:bodyPr wrap="square" rtlCol="0">
+            <a:spAutoFit/>
+          </a:bodyPr>
+          <a:lstStyle/>
+          <a:p>
+            <a:pPr marL="285750" indent="-285750">
+              <a:buFontTx/>
+              <a:buChar char="-"/>
+            </a:pPr>
+            <a:r>
+              <a:rPr lang="fr-FR" dirty="0" smtClean="0"/>
+              <a:t>Objectifs atteints, cahier des charges respecté</a:t>
+            </a:r>
+          </a:p>
+          <a:p>
+            <a:pPr marL="285750" indent="-285750">
+              <a:buFontTx/>
+              <a:buChar char="-"/>
+            </a:pPr>
+            <a:endParaRPr lang="fr-FR" dirty="0"/>
+          </a:p>
+          <a:p>
+            <a:pPr marL="285750" indent="-285750">
+              <a:buFontTx/>
+              <a:buChar char="-"/>
+            </a:pPr>
+            <a:endParaRPr lang="fr-FR" dirty="0" smtClean="0"/>
+          </a:p>
+          <a:p>
+            <a:pPr marL="285750" indent="-285750">
+              <a:buFontTx/>
+              <a:buChar char="-"/>
+            </a:pPr>
+            <a:r>
+              <a:rPr lang="fr-FR" dirty="0" smtClean="0"/>
+              <a:t>Date à fixer pour l’installation chez le client </a:t>
+            </a:r>
+          </a:p>
+          <a:p>
+            <a:r>
+              <a:rPr lang="fr-FR" dirty="0" smtClean="0"/>
+              <a:t> </a:t>
+            </a:r>
+            <a:endParaRPr lang="fr-FR" dirty="0"/>
+          </a:p>
+        </p:txBody>
+      </p:sp>
+      <p:sp>
+        <p:nvSpPr>
+          <p:cNvPr id="6" name="Titre 1"/>
+          <p:cNvSpPr txBox="1">
+            <a:spLocks/>
+          </p:cNvSpPr>
+          <p:nvPr/>
+        </p:nvSpPr>
+        <p:spPr>
+          <a:xfrm>
+            <a:off x="829734" y="762000"/>
+            <a:ext cx="8596668" cy="1320800"/>
+          </a:xfrm>
+          <a:prstGeom prst="rect">
+            <a:avLst/>
+          </a:prstGeom>
+        </p:spPr>
+        <p:txBody>
+          <a:bodyPr vert="horz" lIns="91440" tIns="45720" rIns="91440" bIns="45720" rtlCol="0" anchor="t">
+            <a:normAutofit/>
+          </a:bodyPr>
+          <a:lstStyle>
+            <a:lvl1pPr algn="l" defTabSz="457200" rtl="0" eaLnBrk="1" latinLnBrk="0" hangingPunct="1">
+              <a:spcBef>
+                <a:spcPct val="0"/>
+              </a:spcBef>
+              <a:buNone/>
+              <a:defRPr sz="3600" kern="1200">
+                <a:solidFill>
+                  <a:schemeClr val="accent1"/>
+                </a:solidFill>
+                <a:latin typeface="+mj-lt"/>
+                <a:ea typeface="+mj-ea"/>
+                <a:cs typeface="+mj-cs"/>
+              </a:defRPr>
+            </a:lvl1pPr>
+            <a:lvl2pPr eaLnBrk="1" hangingPunct="1">
+              <a:defRPr>
+                <a:solidFill>
+                  <a:schemeClr val="tx2"/>
+                </a:solidFill>
+              </a:defRPr>
+            </a:lvl2pPr>
+            <a:lvl3pPr eaLnBrk="1" hangingPunct="1">
+              <a:defRPr>
+                <a:solidFill>
+                  <a:schemeClr val="tx2"/>
+                </a:solidFill>
+              </a:defRPr>
+            </a:lvl3pPr>
+            <a:lvl4pPr eaLnBrk="1" hangingPunct="1">
+              <a:defRPr>
+                <a:solidFill>
+                  <a:schemeClr val="tx2"/>
+                </a:solidFill>
+              </a:defRPr>
+            </a:lvl4pPr>
+            <a:lvl5pPr eaLnBrk="1" hangingPunct="1">
+              <a:defRPr>
+                <a:solidFill>
+                  <a:schemeClr val="tx2"/>
+                </a:solidFill>
+              </a:defRPr>
+            </a:lvl5pPr>
+            <a:lvl6pPr eaLnBrk="1" hangingPunct="1">
+              <a:defRPr>
+                <a:solidFill>
+                  <a:schemeClr val="tx2"/>
+                </a:solidFill>
+              </a:defRPr>
+            </a:lvl6pPr>
+            <a:lvl7pPr eaLnBrk="1" hangingPunct="1">
+              <a:defRPr>
+                <a:solidFill>
+                  <a:schemeClr val="tx2"/>
+                </a:solidFill>
+              </a:defRPr>
+            </a:lvl7pPr>
+            <a:lvl8pPr eaLnBrk="1" hangingPunct="1">
+              <a:defRPr>
+                <a:solidFill>
+                  <a:schemeClr val="tx2"/>
+                </a:solidFill>
+              </a:defRPr>
+            </a:lvl8pPr>
+            <a:lvl9pPr eaLnBrk="1" hangingPunct="1">
+              <a:defRPr>
+                <a:solidFill>
+                  <a:schemeClr val="tx2"/>
+                </a:solidFill>
+              </a:defRPr>
+            </a:lvl9pPr>
+          </a:lstStyle>
+          <a:p>
+            <a:r>
+              <a:rPr lang="fr-FR" dirty="0" smtClean="0"/>
+              <a:t>Conclusions</a:t>
+            </a:r>
+            <a:endParaRPr lang="fr-FR" dirty="0"/>
+          </a:p>
+        </p:txBody>
+      </p:sp>
+      <p:sp>
+        <p:nvSpPr>
+          <p:cNvPr id="7" name="ZoneTexte 6"/>
+          <p:cNvSpPr txBox="1"/>
+          <p:nvPr/>
+        </p:nvSpPr>
+        <p:spPr>
+          <a:xfrm>
+            <a:off x="858253" y="3893376"/>
+            <a:ext cx="8614610" cy="1200329"/>
+          </a:xfrm>
+          <a:prstGeom prst="rect">
+            <a:avLst/>
+          </a:prstGeom>
+          <a:noFill/>
+        </p:spPr>
+        <p:txBody>
+          <a:bodyPr wrap="square" rtlCol="0">
+            <a:spAutoFit/>
+          </a:bodyPr>
+          <a:lstStyle/>
+          <a:p>
+            <a:pPr marL="285750" indent="-285750">
+              <a:buFontTx/>
+              <a:buChar char="-"/>
+            </a:pPr>
+            <a:r>
+              <a:rPr lang="fr-FR" dirty="0" smtClean="0"/>
+              <a:t>Intégrations de nouveaux types de graphiques </a:t>
+            </a:r>
+          </a:p>
+          <a:p>
+            <a:endParaRPr lang="fr-FR" dirty="0"/>
+          </a:p>
+          <a:p>
+            <a:r>
+              <a:rPr lang="fr-FR" dirty="0" smtClean="0"/>
+              <a:t>-   Ajout d’un ou plusieurs nouveaux secteurs </a:t>
+            </a:r>
+          </a:p>
+          <a:p>
+            <a:endParaRPr lang="fr-FR" dirty="0"/>
+          </a:p>
+        </p:txBody>
+      </p:sp>
+    </p:spTree>
+    <p:extLst>
+      <p:ext uri="{BB962C8B-B14F-4D97-AF65-F5344CB8AC3E}">
+        <p14:creationId xmlns:p14="http://schemas.microsoft.com/office/powerpoint/2010/main" val="1297521685"/>
       </p:ext>
     </p:extLst>
   </p:cSld>
